--- a/Milestone1.pptx
+++ b/Milestone1.pptx
@@ -20573,11 +20573,11 @@
       </p:sp>
       <p:pic>
         <p:nvPicPr>
-          <p:cNvPr id="5" name="Online Media 4" title="PiToPixVideoDemo">
+          <p:cNvPr id="6" name="Online Media 5" title="PiToPixVideoDemo">
             <a:hlinkClick r:id="" action="ppaction://media"/>
             <a:extLst>
               <a:ext uri="{FF2B5EF4-FFF2-40B4-BE49-F238E27FC236}">
-                <a16:creationId xmlns:a16="http://schemas.microsoft.com/office/drawing/2014/main" id="{B9AA5245-091C-4A6E-98C8-CA40A14A1F38}"/>
+                <a16:creationId xmlns:a16="http://schemas.microsoft.com/office/drawing/2014/main" id="{C9A86AAC-2821-4A23-9603-757371AB0042}"/>
               </a:ext>
             </a:extLst>
           </p:cNvPr>
@@ -20596,8 +20596,8 @@
         </p:blipFill>
         <p:spPr>
           <a:xfrm>
-            <a:off x="781755" y="865187"/>
-            <a:ext cx="10315223" cy="5802313"/>
+            <a:off x="1185334" y="839611"/>
+            <a:ext cx="9979378" cy="5613400"/>
           </a:xfrm>
           <a:prstGeom prst="rect">
             <a:avLst/>
@@ -20644,7 +20644,7 @@
                                       <p:cBhvr>
                                         <p:cTn id="6" dur="1" fill="hold"/>
                                         <p:tgtEl>
-                                          <p:spTgt spid="5"/>
+                                          <p:spTgt spid="6"/>
                                         </p:tgtEl>
                                       </p:cBhvr>
                                     </p:cmd>
@@ -20682,7 +20682,7 @@
                   </p:stCondLst>
                 </p:cTn>
                 <p:tgtEl>
-                  <p:spTgt spid="5"/>
+                  <p:spTgt spid="6"/>
                 </p:tgtEl>
               </p:cMediaNode>
             </p:video>
@@ -20691,7 +20691,7 @@
                 <p:stCondLst>
                   <p:cond evt="onClick" delay="0">
                     <p:tgtEl>
-                      <p:spTgt spid="5"/>
+                      <p:spTgt spid="6"/>
                     </p:tgtEl>
                   </p:cond>
                 </p:stCondLst>
@@ -20721,7 +20721,7 @@
                                       <p:cBhvr>
                                         <p:cTn id="12" dur="1" fill="hold"/>
                                         <p:tgtEl>
-                                          <p:spTgt spid="5"/>
+                                          <p:spTgt spid="6"/>
                                         </p:tgtEl>
                                       </p:cBhvr>
                                     </p:cmd>
@@ -20739,7 +20739,7 @@
               <p:nextCondLst>
                 <p:cond evt="onClick" delay="0">
                   <p:tgtEl>
-                    <p:spTgt spid="5"/>
+                    <p:spTgt spid="6"/>
                   </p:tgtEl>
                 </p:cond>
               </p:nextCondLst>

--- a/Milestone1.pptx
+++ b/Milestone1.pptx
@@ -20573,11 +20573,11 @@
       </p:sp>
       <p:pic>
         <p:nvPicPr>
-          <p:cNvPr id="6" name="Online Media 5" title="PiToPixVideoDemo">
+          <p:cNvPr id="7" name="Online Media 6" title="PiToPixVideoDemo">
             <a:hlinkClick r:id="" action="ppaction://media"/>
             <a:extLst>
               <a:ext uri="{FF2B5EF4-FFF2-40B4-BE49-F238E27FC236}">
-                <a16:creationId xmlns:a16="http://schemas.microsoft.com/office/drawing/2014/main" id="{C9A86AAC-2821-4A23-9603-757371AB0042}"/>
+                <a16:creationId xmlns:a16="http://schemas.microsoft.com/office/drawing/2014/main" id="{8FA51425-DBAC-4AA9-B0E5-2411CF202F52}"/>
               </a:ext>
             </a:extLst>
           </p:cNvPr>
@@ -20596,7 +20596,7 @@
         </p:blipFill>
         <p:spPr>
           <a:xfrm>
-            <a:off x="1185334" y="839611"/>
+            <a:off x="1106311" y="975078"/>
             <a:ext cx="9979378" cy="5613400"/>
           </a:xfrm>
           <a:prstGeom prst="rect">
@@ -20644,7 +20644,7 @@
                                       <p:cBhvr>
                                         <p:cTn id="6" dur="1" fill="hold"/>
                                         <p:tgtEl>
-                                          <p:spTgt spid="6"/>
+                                          <p:spTgt spid="7"/>
                                         </p:tgtEl>
                                       </p:cBhvr>
                                     </p:cmd>
@@ -20682,7 +20682,7 @@
                   </p:stCondLst>
                 </p:cTn>
                 <p:tgtEl>
-                  <p:spTgt spid="6"/>
+                  <p:spTgt spid="7"/>
                 </p:tgtEl>
               </p:cMediaNode>
             </p:video>
@@ -20691,7 +20691,7 @@
                 <p:stCondLst>
                   <p:cond evt="onClick" delay="0">
                     <p:tgtEl>
-                      <p:spTgt spid="6"/>
+                      <p:spTgt spid="7"/>
                     </p:tgtEl>
                   </p:cond>
                 </p:stCondLst>
@@ -20721,7 +20721,7 @@
                                       <p:cBhvr>
                                         <p:cTn id="12" dur="1" fill="hold"/>
                                         <p:tgtEl>
-                                          <p:spTgt spid="6"/>
+                                          <p:spTgt spid="7"/>
                                         </p:tgtEl>
                                       </p:cBhvr>
                                     </p:cmd>
@@ -20739,7 +20739,7 @@
               <p:nextCondLst>
                 <p:cond evt="onClick" delay="0">
                   <p:tgtEl>
-                    <p:spTgt spid="6"/>
+                    <p:spTgt spid="7"/>
                   </p:tgtEl>
                 </p:cond>
               </p:nextCondLst>
